--- a/Midroll.pptx
+++ b/Midroll.pptx
@@ -242,7 +242,7 @@
           <a:p>
             <a:fld id="{32F7251A-AE54-443C-B8FE-5F636E835EBF}" type="datetimeFigureOut">
               <a:rPr lang="en-US" smtClean="0"/>
-              <a:t>6/10/2018</a:t>
+              <a:t>8/26/18</a:t>
             </a:fld>
             <a:endParaRPr lang="en-US"/>
           </a:p>
@@ -300,7 +300,7 @@
   <p:clrMapOvr>
     <a:masterClrMapping/>
   </p:clrMapOvr>
-  <p:transition advClick="0" advTm="17000">
+  <p:transition advClick="0" advTm="10000">
     <p:fade/>
   </p:transition>
 </p:sldLayout>
@@ -413,7 +413,7 @@
           <a:p>
             <a:fld id="{32F7251A-AE54-443C-B8FE-5F636E835EBF}" type="datetimeFigureOut">
               <a:rPr lang="en-US" smtClean="0"/>
-              <a:t>6/10/2018</a:t>
+              <a:t>8/26/18</a:t>
             </a:fld>
             <a:endParaRPr lang="en-US"/>
           </a:p>
@@ -471,7 +471,7 @@
   <p:clrMapOvr>
     <a:masterClrMapping/>
   </p:clrMapOvr>
-  <p:transition advClick="0" advTm="17000">
+  <p:transition advClick="0" advTm="10000">
     <p:fade/>
   </p:transition>
 </p:sldLayout>
@@ -594,7 +594,7 @@
           <a:p>
             <a:fld id="{32F7251A-AE54-443C-B8FE-5F636E835EBF}" type="datetimeFigureOut">
               <a:rPr lang="en-US" smtClean="0"/>
-              <a:t>6/10/2018</a:t>
+              <a:t>8/26/18</a:t>
             </a:fld>
             <a:endParaRPr lang="en-US"/>
           </a:p>
@@ -652,7 +652,7 @@
   <p:clrMapOvr>
     <a:masterClrMapping/>
   </p:clrMapOvr>
-  <p:transition advClick="0" advTm="17000">
+  <p:transition advClick="0" advTm="10000">
     <p:fade/>
   </p:transition>
 </p:sldLayout>
@@ -765,7 +765,7 @@
           <a:p>
             <a:fld id="{32F7251A-AE54-443C-B8FE-5F636E835EBF}" type="datetimeFigureOut">
               <a:rPr lang="en-US" smtClean="0"/>
-              <a:t>6/10/2018</a:t>
+              <a:t>8/26/18</a:t>
             </a:fld>
             <a:endParaRPr lang="en-US"/>
           </a:p>
@@ -823,7 +823,7 @@
   <p:clrMapOvr>
     <a:masterClrMapping/>
   </p:clrMapOvr>
-  <p:transition advClick="0" advTm="17000">
+  <p:transition advClick="0" advTm="10000">
     <p:fade/>
   </p:transition>
 </p:sldLayout>
@@ -1013,7 +1013,7 @@
           <a:p>
             <a:fld id="{32F7251A-AE54-443C-B8FE-5F636E835EBF}" type="datetimeFigureOut">
               <a:rPr lang="en-US" smtClean="0"/>
-              <a:t>6/10/2018</a:t>
+              <a:t>8/26/18</a:t>
             </a:fld>
             <a:endParaRPr lang="en-US"/>
           </a:p>
@@ -1071,7 +1071,7 @@
   <p:clrMapOvr>
     <a:masterClrMapping/>
   </p:clrMapOvr>
-  <p:transition advClick="0" advTm="17000">
+  <p:transition advClick="0" advTm="10000">
     <p:fade/>
   </p:transition>
 </p:sldLayout>
@@ -1245,7 +1245,7 @@
           <a:p>
             <a:fld id="{32F7251A-AE54-443C-B8FE-5F636E835EBF}" type="datetimeFigureOut">
               <a:rPr lang="en-US" smtClean="0"/>
-              <a:t>6/10/2018</a:t>
+              <a:t>8/26/18</a:t>
             </a:fld>
             <a:endParaRPr lang="en-US"/>
           </a:p>
@@ -1303,7 +1303,7 @@
   <p:clrMapOvr>
     <a:masterClrMapping/>
   </p:clrMapOvr>
-  <p:transition advClick="0" advTm="17000">
+  <p:transition advClick="0" advTm="10000">
     <p:fade/>
   </p:transition>
 </p:sldLayout>
@@ -1612,7 +1612,7 @@
           <a:p>
             <a:fld id="{32F7251A-AE54-443C-B8FE-5F636E835EBF}" type="datetimeFigureOut">
               <a:rPr lang="en-US" smtClean="0"/>
-              <a:t>6/10/2018</a:t>
+              <a:t>8/26/18</a:t>
             </a:fld>
             <a:endParaRPr lang="en-US"/>
           </a:p>
@@ -1670,7 +1670,7 @@
   <p:clrMapOvr>
     <a:masterClrMapping/>
   </p:clrMapOvr>
-  <p:transition advClick="0" advTm="17000">
+  <p:transition advClick="0" advTm="10000">
     <p:fade/>
   </p:transition>
 </p:sldLayout>
@@ -1732,7 +1732,7 @@
           <a:p>
             <a:fld id="{32F7251A-AE54-443C-B8FE-5F636E835EBF}" type="datetimeFigureOut">
               <a:rPr lang="en-US" smtClean="0"/>
-              <a:t>6/10/2018</a:t>
+              <a:t>8/26/18</a:t>
             </a:fld>
             <a:endParaRPr lang="en-US"/>
           </a:p>
@@ -1790,7 +1790,7 @@
   <p:clrMapOvr>
     <a:masterClrMapping/>
   </p:clrMapOvr>
-  <p:transition advClick="0" advTm="17000">
+  <p:transition advClick="0" advTm="10000">
     <p:fade/>
   </p:transition>
 </p:sldLayout>
@@ -1830,7 +1830,7 @@
           <a:p>
             <a:fld id="{32F7251A-AE54-443C-B8FE-5F636E835EBF}" type="datetimeFigureOut">
               <a:rPr lang="en-US" smtClean="0"/>
-              <a:t>6/10/2018</a:t>
+              <a:t>8/26/18</a:t>
             </a:fld>
             <a:endParaRPr lang="en-US"/>
           </a:p>
@@ -1888,7 +1888,7 @@
   <p:clrMapOvr>
     <a:masterClrMapping/>
   </p:clrMapOvr>
-  <p:transition advClick="0" advTm="17000">
+  <p:transition advClick="0" advTm="10000">
     <p:fade/>
   </p:transition>
 </p:sldLayout>
@@ -2108,7 +2108,7 @@
           <a:p>
             <a:fld id="{32F7251A-AE54-443C-B8FE-5F636E835EBF}" type="datetimeFigureOut">
               <a:rPr lang="en-US" smtClean="0"/>
-              <a:t>6/10/2018</a:t>
+              <a:t>8/26/18</a:t>
             </a:fld>
             <a:endParaRPr lang="en-US"/>
           </a:p>
@@ -2166,7 +2166,7 @@
   <p:clrMapOvr>
     <a:masterClrMapping/>
   </p:clrMapOvr>
-  <p:transition advClick="0" advTm="17000">
+  <p:transition advClick="0" advTm="10000">
     <p:fade/>
   </p:transition>
 </p:sldLayout>
@@ -2363,7 +2363,7 @@
           <a:p>
             <a:fld id="{32F7251A-AE54-443C-B8FE-5F636E835EBF}" type="datetimeFigureOut">
               <a:rPr lang="en-US" smtClean="0"/>
-              <a:t>6/10/2018</a:t>
+              <a:t>8/26/18</a:t>
             </a:fld>
             <a:endParaRPr lang="en-US"/>
           </a:p>
@@ -2421,7 +2421,7 @@
   <p:clrMapOvr>
     <a:masterClrMapping/>
   </p:clrMapOvr>
-  <p:transition advClick="0" advTm="17000">
+  <p:transition advClick="0" advTm="10000">
     <p:fade/>
   </p:transition>
 </p:sldLayout>
@@ -2580,7 +2580,7 @@
           <a:p>
             <a:fld id="{32F7251A-AE54-443C-B8FE-5F636E835EBF}" type="datetimeFigureOut">
               <a:rPr lang="en-US" smtClean="0"/>
-              <a:t>6/10/2018</a:t>
+              <a:t>8/26/18</a:t>
             </a:fld>
             <a:endParaRPr lang="en-US"/>
           </a:p>
@@ -2685,7 +2685,7 @@
     <p:sldLayoutId id="2147483658" r:id="rId10"/>
     <p:sldLayoutId id="2147483659" r:id="rId11"/>
   </p:sldLayoutIdLst>
-  <p:transition advClick="0" advTm="17000">
+  <p:transition advClick="0" advTm="10000">
     <p:fade/>
   </p:transition>
   <p:txStyles>
@@ -3045,58 +3045,42 @@
           </a:p>
         </p:txBody>
       </p:sp>
-      <p:sp>
-        <p:nvSpPr>
-          <p:cNvPr id="9" name="Rectangle 8">
+      <p:pic>
+        <p:nvPicPr>
+          <p:cNvPr id="3" name="Picture 2">
             <a:extLst>
               <a:ext uri="{FF2B5EF4-FFF2-40B4-BE49-F238E27FC236}">
-                <a16:creationId xmlns:a16="http://schemas.microsoft.com/office/drawing/2014/main" id="{CA40273F-B3D6-4AF7-9D73-70BB127732D5}"/>
+                <a16:creationId xmlns:a16="http://schemas.microsoft.com/office/drawing/2014/main" id="{9B636E7A-E553-A949-869C-FF90AACD2173}"/>
               </a:ext>
             </a:extLst>
           </p:cNvPr>
-          <p:cNvSpPr/>
+          <p:cNvPicPr>
+            <a:picLocks noChangeAspect="1"/>
+          </p:cNvPicPr>
           <p:nvPr/>
-        </p:nvSpPr>
+        </p:nvPicPr>
+        <p:blipFill>
+          <a:blip r:embed="rId2">
+            <a:extLst>
+              <a:ext uri="{28A0092B-C50C-407E-A947-70E740481C1C}">
+                <a14:useLocalDpi xmlns:a14="http://schemas.microsoft.com/office/drawing/2010/main" val="0"/>
+              </a:ext>
+            </a:extLst>
+          </a:blip>
+          <a:stretch>
+            <a:fillRect/>
+          </a:stretch>
+        </p:blipFill>
         <p:spPr>
           <a:xfrm>
-            <a:off x="0" y="4004606"/>
-            <a:ext cx="12192000" cy="2854215"/>
+            <a:off x="-2356" y="4004605"/>
+            <a:ext cx="12194356" cy="2854215"/>
           </a:xfrm>
           <a:prstGeom prst="rect">
             <a:avLst/>
           </a:prstGeom>
-          <a:solidFill>
-            <a:srgbClr val="222222"/>
-          </a:solidFill>
-          <a:ln>
-            <a:noFill/>
-          </a:ln>
         </p:spPr>
-        <p:style>
-          <a:lnRef idx="2">
-            <a:schemeClr val="accent1">
-              <a:shade val="50000"/>
-            </a:schemeClr>
-          </a:lnRef>
-          <a:fillRef idx="1">
-            <a:schemeClr val="accent1"/>
-          </a:fillRef>
-          <a:effectRef idx="0">
-            <a:schemeClr val="accent1"/>
-          </a:effectRef>
-          <a:fontRef idx="minor">
-            <a:schemeClr val="lt1"/>
-          </a:fontRef>
-        </p:style>
-        <p:txBody>
-          <a:bodyPr rtlCol="0" anchor="ctr"/>
-          <a:lstStyle/>
-          <a:p>
-            <a:pPr algn="ctr"/>
-            <a:endParaRPr lang="en-US"/>
-          </a:p>
-        </p:txBody>
-      </p:sp>
+      </p:pic>
       <p:sp>
         <p:nvSpPr>
           <p:cNvPr id="4" name="TextBox 3">
@@ -3613,7 +3597,7 @@
   <p:clrMapOvr>
     <a:masterClrMapping/>
   </p:clrMapOvr>
-  <p:transition advClick="0" advTm="17000">
+  <p:transition advClick="0" advTm="10000">
     <p:fade/>
   </p:transition>
   <p:timing>
@@ -3766,58 +3750,42 @@
           </a:p>
         </p:txBody>
       </p:sp>
-      <p:sp>
-        <p:nvSpPr>
-          <p:cNvPr id="9" name="Rectangle 8">
+      <p:pic>
+        <p:nvPicPr>
+          <p:cNvPr id="32" name="Picture 31">
             <a:extLst>
               <a:ext uri="{FF2B5EF4-FFF2-40B4-BE49-F238E27FC236}">
-                <a16:creationId xmlns:a16="http://schemas.microsoft.com/office/drawing/2014/main" id="{CA40273F-B3D6-4AF7-9D73-70BB127732D5}"/>
+                <a16:creationId xmlns:a16="http://schemas.microsoft.com/office/drawing/2014/main" id="{E98449C6-118A-1B44-93A1-CD305C3F7189}"/>
               </a:ext>
             </a:extLst>
           </p:cNvPr>
-          <p:cNvSpPr/>
+          <p:cNvPicPr>
+            <a:picLocks noChangeAspect="1"/>
+          </p:cNvPicPr>
           <p:nvPr/>
-        </p:nvSpPr>
+        </p:nvPicPr>
+        <p:blipFill>
+          <a:blip r:embed="rId2">
+            <a:extLst>
+              <a:ext uri="{28A0092B-C50C-407E-A947-70E740481C1C}">
+                <a14:useLocalDpi xmlns:a14="http://schemas.microsoft.com/office/drawing/2010/main" val="0"/>
+              </a:ext>
+            </a:extLst>
+          </a:blip>
+          <a:stretch>
+            <a:fillRect/>
+          </a:stretch>
+        </p:blipFill>
         <p:spPr>
           <a:xfrm>
-            <a:off x="0" y="4004606"/>
-            <a:ext cx="12192000" cy="2854215"/>
+            <a:off x="-2356" y="4004605"/>
+            <a:ext cx="12194356" cy="2854215"/>
           </a:xfrm>
           <a:prstGeom prst="rect">
             <a:avLst/>
           </a:prstGeom>
-          <a:solidFill>
-            <a:srgbClr val="222222"/>
-          </a:solidFill>
-          <a:ln>
-            <a:noFill/>
-          </a:ln>
         </p:spPr>
-        <p:style>
-          <a:lnRef idx="2">
-            <a:schemeClr val="accent1">
-              <a:shade val="50000"/>
-            </a:schemeClr>
-          </a:lnRef>
-          <a:fillRef idx="1">
-            <a:schemeClr val="accent1"/>
-          </a:fillRef>
-          <a:effectRef idx="0">
-            <a:schemeClr val="accent1"/>
-          </a:effectRef>
-          <a:fontRef idx="minor">
-            <a:schemeClr val="lt1"/>
-          </a:fontRef>
-        </p:style>
-        <p:txBody>
-          <a:bodyPr rtlCol="0" anchor="ctr"/>
-          <a:lstStyle/>
-          <a:p>
-            <a:pPr algn="ctr"/>
-            <a:endParaRPr lang="en-US"/>
-          </a:p>
-        </p:txBody>
-      </p:sp>
+      </p:pic>
       <p:sp>
         <p:nvSpPr>
           <p:cNvPr id="4" name="TextBox 3">
@@ -4443,7 +4411,7 @@
                     <a:ea typeface="Tahoma" panose="020B0604030504040204" pitchFamily="34" charset="0"/>
                     <a:cs typeface="Tahoma" panose="020B0604030504040204" pitchFamily="34" charset="0"/>
                   </a:rPr>
-                  <a:t>Teacher Kevin McMilian</a:t>
+                  <a:t>Seventy Tim Canfield</a:t>
                 </a:r>
               </a:p>
             </p:txBody>
@@ -4601,7 +4569,7 @@
                     <a:ea typeface="Tahoma" panose="020B0604030504040204" pitchFamily="34" charset="0"/>
                     <a:cs typeface="Tahoma" panose="020B0604030504040204" pitchFamily="34" charset="0"/>
                   </a:rPr>
-                  <a:t>Elder Joseph Smith</a:t>
+                  <a:t>Elder David Bronson</a:t>
                 </a:r>
               </a:p>
             </p:txBody>
@@ -4732,7 +4700,7 @@
             <p:spPr>
               <a:xfrm>
                 <a:off x="472474" y="5500588"/>
-                <a:ext cx="3045827" cy="400110"/>
+                <a:ext cx="3045827" cy="646331"/>
               </a:xfrm>
               <a:prstGeom prst="rect">
                 <a:avLst/>
@@ -4755,8 +4723,30 @@
                     <a:ea typeface="Tahoma" panose="020B0604030504040204" pitchFamily="34" charset="0"/>
                     <a:cs typeface="Tahoma" panose="020B0604030504040204" pitchFamily="34" charset="0"/>
                   </a:rPr>
-                  <a:t>Summer Series @ Waldo</a:t>
+                  <a:t>Prayer Service for Zion</a:t>
                 </a:r>
+              </a:p>
+              <a:p>
+                <a:pPr algn="ctr"/>
+                <a:r>
+                  <a:rPr lang="en-US" sz="1600" i="1" dirty="0">
+                    <a:solidFill>
+                      <a:schemeClr val="bg1"/>
+                    </a:solidFill>
+                    <a:latin typeface="Tahoma" panose="020B0604030504040204" pitchFamily="34" charset="0"/>
+                    <a:ea typeface="Tahoma" panose="020B0604030504040204" pitchFamily="34" charset="0"/>
+                    <a:cs typeface="Tahoma" panose="020B0604030504040204" pitchFamily="34" charset="0"/>
+                  </a:rPr>
+                  <a:t>(no broadcast)</a:t>
+                </a:r>
+                <a:endParaRPr lang="en-US" sz="2000" i="1" dirty="0">
+                  <a:solidFill>
+                    <a:schemeClr val="bg1"/>
+                  </a:solidFill>
+                  <a:latin typeface="Tahoma" panose="020B0604030504040204" pitchFamily="34" charset="0"/>
+                  <a:ea typeface="Tahoma" panose="020B0604030504040204" pitchFamily="34" charset="0"/>
+                  <a:cs typeface="Tahoma" panose="020B0604030504040204" pitchFamily="34" charset="0"/>
+                </a:endParaRPr>
               </a:p>
             </p:txBody>
           </p:sp>
@@ -4802,7 +4792,7 @@
                     <a:ea typeface="Tahoma" panose="020B0604030504040204" pitchFamily="34" charset="0"/>
                     <a:cs typeface="Tahoma" panose="020B0604030504040204" pitchFamily="34" charset="0"/>
                   </a:rPr>
-                  <a:t>9:30 AM CDT • 14:30 UTC</a:t>
+                  <a:t>6:00 PM CDT • 23:00 UTC</a:t>
                 </a:r>
               </a:p>
             </p:txBody>
@@ -4819,7 +4809,7 @@
   <p:clrMapOvr>
     <a:masterClrMapping/>
   </p:clrMapOvr>
-  <p:transition advClick="0" advTm="17000">
+  <p:transition advClick="0" advTm="10000">
     <p:fade/>
   </p:transition>
   <p:timing>
